--- a/Git_Projects/Smart_Parking_Finder_Poc/Smart_Parking_Presentation.pptx
+++ b/Git_Projects/Smart_Parking_Finder_Poc/Smart_Parking_Presentation.pptx
@@ -10452,7 +10452,7 @@
           <a:p>
             <a:fld id="{0345684D-F9C7-43E6-838A-F00553FF0D14}" type="datetimeFigureOut">
               <a:rPr lang="en-IN" smtClean="0"/>
-              <a:t>08-09-2025</a:t>
+              <a:t>09-09-2025</a:t>
             </a:fld>
             <a:endParaRPr lang="en-IN"/>
           </a:p>
@@ -11313,7 +11313,7 @@
           <a:p>
             <a:fld id="{1D8BD707-D9CF-40AE-B4C6-C98DA3205C09}" type="datetimeFigureOut">
               <a:rPr lang="en-US"/>
-              <a:t>9/8/2025</a:t>
+              <a:t>9/9/2025</a:t>
             </a:fld>
             <a:endParaRPr lang="en-US"/>
           </a:p>
@@ -11461,7 +11461,7 @@
           <a:p>
             <a:fld id="{1D8BD707-D9CF-40AE-B4C6-C98DA3205C09}" type="datetimeFigureOut">
               <a:rPr lang="en-US"/>
-              <a:t>9/8/2025</a:t>
+              <a:t>9/9/2025</a:t>
             </a:fld>
             <a:endParaRPr lang="en-US"/>
           </a:p>
@@ -11680,7 +11680,7 @@
           <a:p>
             <a:fld id="{1D8BD707-D9CF-40AE-B4C6-C98DA3205C09}" type="datetimeFigureOut">
               <a:rPr lang="en-US"/>
-              <a:t>9/8/2025</a:t>
+              <a:t>9/9/2025</a:t>
             </a:fld>
             <a:endParaRPr lang="en-US"/>
           </a:p>
@@ -13428,12 +13428,34 @@
         </p:sp>
         <p:pic>
           <p:nvPicPr>
+            <p:cNvPr id="8" name="object 8"/>
+            <p:cNvPicPr/>
+            <p:nvPr/>
+          </p:nvPicPr>
+          <p:blipFill>
+            <a:blip r:embed="rId3" cstate="print"/>
+            <a:stretch>
+              <a:fillRect/>
+            </a:stretch>
+          </p:blipFill>
+          <p:spPr>
+            <a:xfrm>
+              <a:off x="6896100" y="5505450"/>
+              <a:ext cx="228600" cy="238125"/>
+            </a:xfrm>
+            <a:prstGeom prst="rect">
+              <a:avLst/>
+            </a:prstGeom>
+          </p:spPr>
+        </p:pic>
+        <p:pic>
+          <p:nvPicPr>
             <p:cNvPr id="5" name="object 5"/>
             <p:cNvPicPr/>
             <p:nvPr/>
           </p:nvPicPr>
           <p:blipFill>
-            <a:blip r:embed="rId3" cstate="print"/>
+            <a:blip r:embed="rId4" cstate="print"/>
             <a:stretch>
               <a:fillRect/>
             </a:stretch>
@@ -13455,7 +13477,7 @@
             <p:nvPr/>
           </p:nvPicPr>
           <p:blipFill>
-            <a:blip r:embed="rId4" cstate="print"/>
+            <a:blip r:embed="rId5" cstate="print"/>
             <a:stretch>
               <a:fillRect/>
             </a:stretch>
@@ -13464,28 +13486,6 @@
             <a:xfrm>
               <a:off x="3535976" y="3793363"/>
               <a:ext cx="3148246" cy="2134996"/>
-            </a:xfrm>
-            <a:prstGeom prst="rect">
-              <a:avLst/>
-            </a:prstGeom>
-          </p:spPr>
-        </p:pic>
-        <p:pic>
-          <p:nvPicPr>
-            <p:cNvPr id="8" name="object 8"/>
-            <p:cNvPicPr/>
-            <p:nvPr/>
-          </p:nvPicPr>
-          <p:blipFill>
-            <a:blip r:embed="rId5" cstate="print"/>
-            <a:stretch>
-              <a:fillRect/>
-            </a:stretch>
-          </p:blipFill>
-          <p:spPr>
-            <a:xfrm>
-              <a:off x="6896100" y="5505450"/>
-              <a:ext cx="228600" cy="238125"/>
             </a:xfrm>
             <a:prstGeom prst="rect">
               <a:avLst/>
@@ -13888,7 +13888,7 @@
         <p:spPr>
           <a:xfrm>
             <a:off x="2707158" y="2265362"/>
-            <a:ext cx="3048540" cy="2327276"/>
+            <a:ext cx="3148246" cy="2403392"/>
           </a:xfrm>
           <a:prstGeom prst="rect">
             <a:avLst/>
